--- a/ENG19CS0011_Abhishek krishna TM.pptx
+++ b/ENG19CS0011_Abhishek krishna TM.pptx
@@ -6623,17 +6623,29 @@
             </a:r>
             <a:r>
               <a:rPr lang="en-US" dirty="0"/>
-              <a:t> link below</a:t>
+              <a:t> </a:t>
+            </a:r>
+            <a:r>
+              <a:rPr lang="en-US"/>
+              <a:t>link </a:t>
+            </a:r>
+            <a:r>
+              <a:rPr lang="en-US" smtClean="0"/>
+              <a:t>below</a:t>
             </a:r>
           </a:p>
           <a:p>
             <a:pPr marL="0" indent="0">
               <a:buNone/>
             </a:pPr>
-            <a:r>
-              <a:rPr lang="en-US" dirty="0" smtClean="0">
-                <a:hlinkClick r:id="rId3"/>
-              </a:rPr>
+            <a:endParaRPr lang="en-US" dirty="0"/>
+          </a:p>
+          <a:p>
+            <a:pPr marL="0" indent="0">
+              <a:buNone/>
+            </a:pPr>
+            <a:r>
+              <a:rPr lang="en-US" dirty="0" smtClean="0"/>
               <a:t>https://colab.research.google.com/drive/1fLTJBD4ROy2SFWIWbqflIj2rjj_8wYMA?usp=sharing</a:t>
             </a:r>
             <a:endParaRPr lang="en-US" dirty="0"/>
